--- a/03-Documentation/GROUP 5_Presentation_DEESDevelopers.pptx
+++ b/03-Documentation/GROUP 5_Presentation_DEESDevelopers.pptx
@@ -5,10 +5,10 @@
     <p:sldMasterId id="2147483669" r:id="rId1"/>
   </p:sldMasterIdLst>
   <p:notesMasterIdLst>
-    <p:notesMasterId r:id="rId10"/>
+    <p:notesMasterId r:id="rId12"/>
   </p:notesMasterIdLst>
   <p:handoutMasterIdLst>
-    <p:handoutMasterId r:id="rId11"/>
+    <p:handoutMasterId r:id="rId13"/>
   </p:handoutMasterIdLst>
   <p:sldIdLst>
     <p:sldId id="256" r:id="rId2"/>
@@ -19,6 +19,8 @@
     <p:sldId id="261" r:id="rId7"/>
     <p:sldId id="265" r:id="rId8"/>
     <p:sldId id="266" r:id="rId9"/>
+    <p:sldId id="267" r:id="rId10"/>
+    <p:sldId id="268" r:id="rId11"/>
   </p:sldIdLst>
   <p:sldSz cx="12192000" cy="6858000"/>
   <p:notesSz cx="6858000" cy="9144000"/>
@@ -222,7 +224,7 @@
           <a:p>
             <a:fld id="{44CCEC8C-C875-46FC-B5E4-D61A1C548497}" type="datetimeFigureOut">
               <a:rPr lang="es-ES" smtClean="0"/>
-              <a:t>04/06/2022</a:t>
+              <a:t>08/06/2022</a:t>
             </a:fld>
             <a:endParaRPr lang="es-ES"/>
           </a:p>
@@ -400,7 +402,7 @@
           <a:p>
             <a:fld id="{DA6451A8-9F55-443A-B22B-91AD4434529B}" type="datetimeFigureOut">
               <a:rPr lang="es-ES" smtClean="0"/>
-              <a:t>04/06/2022</a:t>
+              <a:t>08/06/2022</a:t>
             </a:fld>
             <a:endParaRPr lang="es-ES" dirty="0"/>
           </a:p>
@@ -5372,7 +5374,7 @@
             <a:pPr rtl="0"/>
             <a:fld id="{B4B42CC5-A37F-479C-BB89-93782537C5C2}" type="datetime1">
               <a:rPr lang="es-ES" noProof="0" smtClean="0"/>
-              <a:t>04/06/2022</a:t>
+              <a:t>08/06/2022</a:t>
             </a:fld>
             <a:endParaRPr lang="es-ES" noProof="0"/>
           </a:p>
@@ -5641,7 +5643,7 @@
             <a:pPr rtl="0"/>
             <a:fld id="{38C4A89A-6E40-4DEC-A31D-8D0BA4D0C19B}" type="datetime1">
               <a:rPr lang="es-ES" noProof="0" smtClean="0"/>
-              <a:t>04/06/2022</a:t>
+              <a:t>08/06/2022</a:t>
             </a:fld>
             <a:endParaRPr lang="es-ES" noProof="0"/>
           </a:p>
@@ -5840,7 +5842,7 @@
             <a:pPr rtl="0"/>
             <a:fld id="{18CCAC9A-50FA-453B-A5A1-664F834320F1}" type="datetime1">
               <a:rPr lang="es-ES" noProof="0" smtClean="0"/>
-              <a:t>04/06/2022</a:t>
+              <a:t>08/06/2022</a:t>
             </a:fld>
             <a:endParaRPr lang="es-ES" noProof="0"/>
           </a:p>
@@ -6106,7 +6108,7 @@
             <a:pPr rtl="0"/>
             <a:fld id="{CFA96A25-A1A1-4951-AA35-C0B05EF039E3}" type="datetime1">
               <a:rPr lang="es-ES" noProof="0" smtClean="0"/>
-              <a:t>04/06/2022</a:t>
+              <a:t>08/06/2022</a:t>
             </a:fld>
             <a:endParaRPr lang="es-ES" noProof="0"/>
           </a:p>
@@ -6543,7 +6545,7 @@
             <a:pPr rtl="0"/>
             <a:fld id="{505C997B-94A4-4371-AF12-483312E12549}" type="datetime1">
               <a:rPr lang="es-ES" noProof="0" smtClean="0"/>
-              <a:t>04/06/2022</a:t>
+              <a:t>08/06/2022</a:t>
             </a:fld>
             <a:endParaRPr lang="es-ES" noProof="0"/>
           </a:p>
@@ -7092,7 +7094,7 @@
             <a:pPr rtl="0"/>
             <a:fld id="{4F7A9720-1EE6-4D5E-A5BF-D4060F8DE7CF}" type="datetime1">
               <a:rPr lang="es-ES" noProof="0" smtClean="0"/>
-              <a:t>04/06/2022</a:t>
+              <a:t>08/06/2022</a:t>
             </a:fld>
             <a:endParaRPr lang="es-ES" noProof="0"/>
           </a:p>
@@ -7812,7 +7814,7 @@
             <a:pPr rtl="0"/>
             <a:fld id="{3DBAA0C9-03DE-4F7E-9E82-3790C686D72B}" type="datetime1">
               <a:rPr lang="es-ES" noProof="0" smtClean="0"/>
-              <a:t>04/06/2022</a:t>
+              <a:t>08/06/2022</a:t>
             </a:fld>
             <a:endParaRPr lang="es-ES" noProof="0"/>
           </a:p>
@@ -7984,7 +7986,7 @@
             <a:pPr rtl="0"/>
             <a:fld id="{3ECACA7D-22A4-4E66-8FBE-CC5DD02FB4DF}" type="datetime1">
               <a:rPr lang="es-ES" noProof="0" smtClean="0"/>
-              <a:t>04/06/2022</a:t>
+              <a:t>08/06/2022</a:t>
             </a:fld>
             <a:endParaRPr lang="es-ES" noProof="0"/>
           </a:p>
@@ -8166,7 +8168,7 @@
             <a:pPr rtl="0"/>
             <a:fld id="{17958C13-3C2F-4635-87DB-06CB8F496D80}" type="datetime1">
               <a:rPr lang="es-ES" noProof="0" smtClean="0"/>
-              <a:t>04/06/2022</a:t>
+              <a:t>08/06/2022</a:t>
             </a:fld>
             <a:endParaRPr lang="es-ES" noProof="0"/>
           </a:p>
@@ -8338,7 +8340,7 @@
             <a:pPr rtl="0"/>
             <a:fld id="{0AF887F4-C29B-48B9-BDC1-98C5FCB6A07F}" type="datetime1">
               <a:rPr lang="es-ES" noProof="0" smtClean="0"/>
-              <a:t>04/06/2022</a:t>
+              <a:t>08/06/2022</a:t>
             </a:fld>
             <a:endParaRPr lang="es-ES" noProof="0"/>
           </a:p>
@@ -8591,7 +8593,7 @@
             <a:pPr rtl="0"/>
             <a:fld id="{42DD4354-610D-40D5-AEB6-3A793CD516D2}" type="datetime1">
               <a:rPr lang="es-ES" noProof="0" smtClean="0"/>
-              <a:t>04/06/2022</a:t>
+              <a:t>08/06/2022</a:t>
             </a:fld>
             <a:endParaRPr lang="es-ES" noProof="0"/>
           </a:p>
@@ -8824,7 +8826,7 @@
             <a:pPr rtl="0"/>
             <a:fld id="{F6E701CA-C3B4-4331-83CC-2F0A47CA6E57}" type="datetime1">
               <a:rPr lang="es-ES" noProof="0" smtClean="0"/>
-              <a:t>04/06/2022</a:t>
+              <a:t>08/06/2022</a:t>
             </a:fld>
             <a:endParaRPr lang="es-ES" noProof="0"/>
           </a:p>
@@ -9206,7 +9208,7 @@
             <a:pPr rtl="0"/>
             <a:fld id="{42550BC4-1DD7-42C5-AEE4-96F7F79285D7}" type="datetime1">
               <a:rPr lang="es-ES" noProof="0" smtClean="0"/>
-              <a:t>04/06/2022</a:t>
+              <a:t>08/06/2022</a:t>
             </a:fld>
             <a:endParaRPr lang="es-ES" noProof="0"/>
           </a:p>
@@ -9327,7 +9329,7 @@
             <a:pPr rtl="0"/>
             <a:fld id="{A7AB6CF5-77ED-4FF9-AAF8-52C3AF46E3D9}" type="datetime1">
               <a:rPr lang="es-ES" noProof="0" smtClean="0"/>
-              <a:t>04/06/2022</a:t>
+              <a:t>08/06/2022</a:t>
             </a:fld>
             <a:endParaRPr lang="es-ES" noProof="0"/>
           </a:p>
@@ -9425,7 +9427,7 @@
             <a:pPr rtl="0"/>
             <a:fld id="{03074DD3-B4C2-4A96-8300-79DD1DCFF12A}" type="datetime1">
               <a:rPr lang="es-ES" noProof="0" smtClean="0"/>
-              <a:t>04/06/2022</a:t>
+              <a:t>08/06/2022</a:t>
             </a:fld>
             <a:endParaRPr lang="es-ES" noProof="0"/>
           </a:p>
@@ -9676,7 +9678,7 @@
             <a:pPr rtl="0"/>
             <a:fld id="{924D0B20-C8B4-43BB-AD01-62F210BF3AA3}" type="datetime1">
               <a:rPr lang="es-ES" noProof="0" smtClean="0"/>
-              <a:t>04/06/2022</a:t>
+              <a:t>08/06/2022</a:t>
             </a:fld>
             <a:endParaRPr lang="es-ES" noProof="0"/>
           </a:p>
@@ -9959,7 +9961,7 @@
             <a:pPr rtl="0"/>
             <a:fld id="{EF1807E4-B9D9-419C-89FE-7ED2FA492EAC}" type="datetime1">
               <a:rPr lang="es-ES" noProof="0" smtClean="0"/>
-              <a:t>04/06/2022</a:t>
+              <a:t>08/06/2022</a:t>
             </a:fld>
             <a:endParaRPr lang="es-ES" noProof="0"/>
           </a:p>
@@ -13029,7 +13031,7 @@
             <a:pPr rtl="0"/>
             <a:fld id="{04295C3A-E926-46B8-ADEB-3C84EE47C3D7}" type="datetime1">
               <a:rPr lang="es-ES" noProof="0" smtClean="0"/>
-              <a:t>04/06/2022</a:t>
+              <a:t>08/06/2022</a:t>
             </a:fld>
             <a:endParaRPr lang="es-ES" noProof="0"/>
           </a:p>
@@ -14532,6 +14534,66 @@
 </p:sld>
 </file>
 
+<file path=ppt/slides/slide10.xml><?xml version="1.0" encoding="utf-8"?>
+<p:sld xmlns:a="http://schemas.openxmlformats.org/drawingml/2006/main" xmlns:r="http://schemas.openxmlformats.org/officeDocument/2006/relationships" xmlns:p="http://schemas.openxmlformats.org/presentationml/2006/main">
+  <p:cSld>
+    <p:spTree>
+      <p:nvGrpSpPr>
+        <p:cNvPr id="1" name=""/>
+        <p:cNvGrpSpPr/>
+        <p:nvPr/>
+      </p:nvGrpSpPr>
+      <p:grpSpPr>
+        <a:xfrm>
+          <a:off x="0" y="0"/>
+          <a:ext cx="0" cy="0"/>
+          <a:chOff x="0" y="0"/>
+          <a:chExt cx="0" cy="0"/>
+        </a:xfrm>
+      </p:grpSpPr>
+      <p:pic>
+        <p:nvPicPr>
+          <p:cNvPr id="5" name="Imagen 4">
+            <a:extLst>
+              <a:ext uri="{FF2B5EF4-FFF2-40B4-BE49-F238E27FC236}">
+                <a16:creationId xmlns:a16="http://schemas.microsoft.com/office/drawing/2014/main" id="{5357FD34-9A08-D25D-F0BE-DC436B3EEEEC}"/>
+              </a:ext>
+            </a:extLst>
+          </p:cNvPr>
+          <p:cNvPicPr>
+            <a:picLocks noChangeAspect="1"/>
+          </p:cNvPicPr>
+          <p:nvPr/>
+        </p:nvPicPr>
+        <p:blipFill>
+          <a:blip r:embed="rId2"/>
+          <a:stretch>
+            <a:fillRect/>
+          </a:stretch>
+        </p:blipFill>
+        <p:spPr>
+          <a:xfrm>
+            <a:off x="636494" y="170329"/>
+            <a:ext cx="11313459" cy="6363821"/>
+          </a:xfrm>
+          <a:prstGeom prst="rect">
+            <a:avLst/>
+          </a:prstGeom>
+        </p:spPr>
+      </p:pic>
+    </p:spTree>
+    <p:extLst>
+      <p:ext uri="{BB962C8B-B14F-4D97-AF65-F5344CB8AC3E}">
+        <p14:creationId xmlns:p14="http://schemas.microsoft.com/office/powerpoint/2010/main" val="1008967810"/>
+      </p:ext>
+    </p:extLst>
+  </p:cSld>
+  <p:clrMapOvr>
+    <a:masterClrMapping/>
+  </p:clrMapOvr>
+</p:sld>
+</file>
+
 <file path=ppt/slides/slide2.xml><?xml version="1.0" encoding="utf-8"?>
 <p:sld xmlns:a="http://schemas.openxmlformats.org/drawingml/2006/main" xmlns:r="http://schemas.openxmlformats.org/officeDocument/2006/relationships" xmlns:p="http://schemas.openxmlformats.org/presentationml/2006/main">
   <p:cSld>
@@ -16526,10 +16588,10 @@
       </p:sp>
       <p:pic>
         <p:nvPicPr>
-          <p:cNvPr id="4" name="Imagen 3">
+          <p:cNvPr id="5" name="Imagen 4">
             <a:extLst>
               <a:ext uri="{FF2B5EF4-FFF2-40B4-BE49-F238E27FC236}">
-                <a16:creationId xmlns:a16="http://schemas.microsoft.com/office/drawing/2014/main" id="{E606F749-2E0B-DCEA-F5EB-9EF1308A6F5C}"/>
+                <a16:creationId xmlns:a16="http://schemas.microsoft.com/office/drawing/2014/main" id="{A57A9D44-7724-0D04-103C-C5E043A2592C}"/>
               </a:ext>
             </a:extLst>
           </p:cNvPr>
@@ -16546,42 +16608,12 @@
         </p:blipFill>
         <p:spPr>
           <a:xfrm>
-            <a:off x="2048183" y="1066800"/>
-            <a:ext cx="7893675" cy="5544859"/>
+            <a:off x="1943329" y="1152728"/>
+            <a:ext cx="7387585" cy="5369859"/>
           </a:xfrm>
           <a:prstGeom prst="rect">
             <a:avLst/>
           </a:prstGeom>
-          <a:solidFill>
-            <a:srgbClr val="FFFFFF">
-              <a:shade val="85000"/>
-            </a:srgbClr>
-          </a:solidFill>
-          <a:ln w="88900" cap="sq">
-            <a:solidFill>
-              <a:srgbClr val="FFFFFF"/>
-            </a:solidFill>
-            <a:miter lim="800000"/>
-          </a:ln>
-          <a:effectLst>
-            <a:outerShdw blurRad="55000" dist="18000" dir="5400000" algn="tl" rotWithShape="0">
-              <a:srgbClr val="000000">
-                <a:alpha val="40000"/>
-              </a:srgbClr>
-            </a:outerShdw>
-          </a:effectLst>
-          <a:scene3d>
-            <a:camera prst="orthographicFront"/>
-            <a:lightRig rig="twoPt" dir="t">
-              <a:rot lat="0" lon="0" rev="7200000"/>
-            </a:lightRig>
-          </a:scene3d>
-          <a:sp3d>
-            <a:bevelT w="25400" h="19050"/>
-            <a:contourClr>
-              <a:srgbClr val="FFFFFF"/>
-            </a:contourClr>
-          </a:sp3d>
         </p:spPr>
       </p:pic>
     </p:spTree>
@@ -16790,7 +16822,7 @@
                 <a:latin typeface="Times New Roman" panose="02020603050405020304" pitchFamily="18" charset="0"/>
                 <a:cs typeface="Times New Roman" panose="02020603050405020304" pitchFamily="18" charset="0"/>
               </a:rPr>
-              <a:t> histories</a:t>
+              <a:t> histories OR REQUIREMENTS</a:t>
             </a:r>
           </a:p>
         </p:txBody>
@@ -16817,7 +16849,7 @@
         </p:blipFill>
         <p:spPr>
           <a:xfrm>
-            <a:off x="663388" y="1425350"/>
+            <a:off x="663388" y="1452244"/>
             <a:ext cx="11048999" cy="4365849"/>
           </a:xfrm>
           <a:prstGeom prst="rect">
@@ -16933,10 +16965,10 @@
       </p:sp>
       <p:pic>
         <p:nvPicPr>
-          <p:cNvPr id="5" name="Imagen 4">
+          <p:cNvPr id="4" name="Imagen 3">
             <a:extLst>
               <a:ext uri="{FF2B5EF4-FFF2-40B4-BE49-F238E27FC236}">
-                <a16:creationId xmlns:a16="http://schemas.microsoft.com/office/drawing/2014/main" id="{6181FE3B-54BB-EEE5-F616-031058A92D44}"/>
+                <a16:creationId xmlns:a16="http://schemas.microsoft.com/office/drawing/2014/main" id="{69C9AEB0-104A-AF6F-CEC8-C7580EC3838B}"/>
               </a:ext>
             </a:extLst>
           </p:cNvPr>
@@ -16953,8 +16985,8 @@
         </p:blipFill>
         <p:spPr>
           <a:xfrm>
-            <a:off x="1275881" y="1239582"/>
-            <a:ext cx="9637059" cy="4958237"/>
+            <a:off x="1694329" y="923366"/>
+            <a:ext cx="9986682" cy="5617509"/>
           </a:xfrm>
           <a:prstGeom prst="rect">
             <a:avLst/>
@@ -16965,6 +16997,66 @@
     <p:extLst>
       <p:ext uri="{BB962C8B-B14F-4D97-AF65-F5344CB8AC3E}">
         <p14:creationId xmlns:p14="http://schemas.microsoft.com/office/powerpoint/2010/main" val="3177596388"/>
+      </p:ext>
+    </p:extLst>
+  </p:cSld>
+  <p:clrMapOvr>
+    <a:masterClrMapping/>
+  </p:clrMapOvr>
+</p:sld>
+</file>
+
+<file path=ppt/slides/slide9.xml><?xml version="1.0" encoding="utf-8"?>
+<p:sld xmlns:a="http://schemas.openxmlformats.org/drawingml/2006/main" xmlns:r="http://schemas.openxmlformats.org/officeDocument/2006/relationships" xmlns:p="http://schemas.openxmlformats.org/presentationml/2006/main">
+  <p:cSld>
+    <p:spTree>
+      <p:nvGrpSpPr>
+        <p:cNvPr id="1" name=""/>
+        <p:cNvGrpSpPr/>
+        <p:nvPr/>
+      </p:nvGrpSpPr>
+      <p:grpSpPr>
+        <a:xfrm>
+          <a:off x="0" y="0"/>
+          <a:ext cx="0" cy="0"/>
+          <a:chOff x="0" y="0"/>
+          <a:chExt cx="0" cy="0"/>
+        </a:xfrm>
+      </p:grpSpPr>
+      <p:pic>
+        <p:nvPicPr>
+          <p:cNvPr id="5" name="Imagen 4">
+            <a:extLst>
+              <a:ext uri="{FF2B5EF4-FFF2-40B4-BE49-F238E27FC236}">
+                <a16:creationId xmlns:a16="http://schemas.microsoft.com/office/drawing/2014/main" id="{F5C11E20-CD5F-034F-AAA6-C43726B6EE48}"/>
+              </a:ext>
+            </a:extLst>
+          </p:cNvPr>
+          <p:cNvPicPr>
+            <a:picLocks noChangeAspect="1"/>
+          </p:cNvPicPr>
+          <p:nvPr/>
+        </p:nvPicPr>
+        <p:blipFill>
+          <a:blip r:embed="rId2"/>
+          <a:stretch>
+            <a:fillRect/>
+          </a:stretch>
+        </p:blipFill>
+        <p:spPr>
+          <a:xfrm>
+            <a:off x="319740" y="206187"/>
+            <a:ext cx="11441953" cy="6436099"/>
+          </a:xfrm>
+          <a:prstGeom prst="rect">
+            <a:avLst/>
+          </a:prstGeom>
+        </p:spPr>
+      </p:pic>
+    </p:spTree>
+    <p:extLst>
+      <p:ext uri="{BB962C8B-B14F-4D97-AF65-F5344CB8AC3E}">
+        <p14:creationId xmlns:p14="http://schemas.microsoft.com/office/powerpoint/2010/main" val="2221228401"/>
       </p:ext>
     </p:extLst>
   </p:cSld>
